--- a/project/EDA-Final_ppt.pptx
+++ b/project/EDA-Final_ppt.pptx
@@ -4026,54 +4026,9 @@
           </a:p>
         </p:txBody>
       </p:sp>
-      <p:sp>
-        <p:nvSpPr>
-          <p:cNvPr id="140" name="SSRIs and SNRIs accounted for the overwhelming majority (86%) of all cases."/>
-          <p:cNvSpPr txBox="1"/>
-          <p:nvPr/>
-        </p:nvSpPr>
-        <p:spPr>
-          <a:xfrm>
-            <a:off x="408235" y="2955925"/>
-            <a:ext cx="21662597" cy="800101"/>
-          </a:xfrm>
-          <a:prstGeom prst="rect">
-            <a:avLst/>
-          </a:prstGeom>
-          <a:ln w="12700">
-            <a:miter lim="400000"/>
-          </a:ln>
-          <a:extLst>
-            <a:ext uri="{C572A759-6A51-4108-AA02-DFA0A04FC94B}">
-              <ma14:wrappingTextBoxFlag xmlns:ma14="http://schemas.microsoft.com/office/mac/drawingml/2011/main" val="1"/>
-            </a:ext>
-          </a:extLst>
-        </p:spPr>
-        <p:txBody>
-          <a:bodyPr lIns="50800" tIns="50800" rIns="50800" bIns="50800" anchor="ctr">
-            <a:spAutoFit/>
-          </a:bodyPr>
-          <a:lstStyle/>
-          <a:p>
-            <a:pPr lvl="3" marL="2434166" indent="-529166" algn="l">
-              <a:buSzPct val="125000"/>
-              <a:buChar char="•"/>
-              <a:defRPr b="0" sz="4000">
-                <a:latin typeface="Avenir Next"/>
-                <a:ea typeface="Avenir Next"/>
-                <a:cs typeface="Avenir Next"/>
-                <a:sym typeface="Avenir Next"/>
-              </a:defRPr>
-            </a:pPr>
-            <a:r>
-              <a:t>SSRIs and SNRIs accounted for the overwhelming majority (86%) of all cases.</a:t>
-            </a:r>
-          </a:p>
-        </p:txBody>
-      </p:sp>
       <p:pic>
         <p:nvPicPr>
-          <p:cNvPr id="141" name="drugChoiceRank.png" descr="drugChoiceRank.png"/>
+          <p:cNvPr id="140" name="drugChoiceRank.png" descr="drugChoiceRank.png"/>
           <p:cNvPicPr>
             <a:picLocks noChangeAspect="1"/>
           </p:cNvPicPr>
@@ -4089,7 +4044,7 @@
         </p:blipFill>
         <p:spPr>
           <a:xfrm>
-            <a:off x="9374342" y="4367212"/>
+            <a:off x="9517217" y="3509962"/>
             <a:ext cx="12606826" cy="8263297"/>
           </a:xfrm>
           <a:prstGeom prst="rect">
@@ -4102,7 +4057,7 @@
       </p:pic>
       <p:pic>
         <p:nvPicPr>
-          <p:cNvPr id="142" name="DrugClassDist.png" descr="DrugClassDist.png"/>
+          <p:cNvPr id="141" name="DrugClassDist.png" descr="DrugClassDist.png"/>
           <p:cNvPicPr>
             <a:picLocks noChangeAspect="1"/>
           </p:cNvPicPr>
@@ -4118,7 +4073,7 @@
         </p:blipFill>
         <p:spPr>
           <a:xfrm>
-            <a:off x="2450694" y="4367212"/>
+            <a:off x="2593569" y="3509962"/>
             <a:ext cx="5847129" cy="8263297"/>
           </a:xfrm>
           <a:prstGeom prst="rect">
@@ -4131,13 +4086,13 @@
       </p:pic>
       <p:sp>
         <p:nvSpPr>
-          <p:cNvPr id="143" name="Square"/>
+          <p:cNvPr id="142" name="Square"/>
           <p:cNvSpPr/>
           <p:nvPr/>
         </p:nvSpPr>
         <p:spPr>
           <a:xfrm>
-            <a:off x="1651000" y="7651750"/>
+            <a:off x="1793875" y="6794500"/>
             <a:ext cx="1270000" cy="1270000"/>
           </a:xfrm>
           <a:prstGeom prst="rect">
@@ -4170,13 +4125,13 @@
       </p:sp>
       <p:sp>
         <p:nvSpPr>
-          <p:cNvPr id="144" name="Rectangle"/>
+          <p:cNvPr id="143" name="Rectangle"/>
           <p:cNvSpPr/>
           <p:nvPr/>
         </p:nvSpPr>
         <p:spPr>
           <a:xfrm>
-            <a:off x="4302125" y="12160249"/>
+            <a:off x="4445000" y="11302999"/>
             <a:ext cx="13249362" cy="1270001"/>
           </a:xfrm>
           <a:prstGeom prst="rect">
@@ -4209,13 +4164,13 @@
       </p:sp>
       <p:sp>
         <p:nvSpPr>
-          <p:cNvPr id="145" name="Rectangle"/>
+          <p:cNvPr id="144" name="Rectangle"/>
           <p:cNvSpPr/>
           <p:nvPr/>
         </p:nvSpPr>
         <p:spPr>
           <a:xfrm>
-            <a:off x="8654087" y="6938584"/>
+            <a:off x="8796962" y="6081334"/>
             <a:ext cx="1270001" cy="3120553"/>
           </a:xfrm>
           <a:prstGeom prst="rect">
@@ -4248,13 +4203,13 @@
       </p:sp>
       <p:sp>
         <p:nvSpPr>
-          <p:cNvPr id="146" name="Count"/>
+          <p:cNvPr id="145" name="Count"/>
           <p:cNvSpPr txBox="1"/>
           <p:nvPr/>
         </p:nvSpPr>
         <p:spPr>
           <a:xfrm rot="16200000">
-            <a:off x="1760649" y="7739806"/>
+            <a:off x="1903524" y="6882556"/>
             <a:ext cx="1228502" cy="660401"/>
           </a:xfrm>
           <a:prstGeom prst="rect">
@@ -4293,13 +4248,13 @@
       </p:sp>
       <p:sp>
         <p:nvSpPr>
-          <p:cNvPr id="147" name="Drug Classification"/>
+          <p:cNvPr id="146" name="Drug Classification"/>
           <p:cNvSpPr txBox="1"/>
           <p:nvPr/>
         </p:nvSpPr>
         <p:spPr>
           <a:xfrm>
-            <a:off x="4087299" y="12312649"/>
+            <a:off x="4230174" y="11455399"/>
             <a:ext cx="3526335" cy="660401"/>
           </a:xfrm>
           <a:prstGeom prst="rect">
@@ -4338,13 +4293,13 @@
       </p:sp>
       <p:sp>
         <p:nvSpPr>
-          <p:cNvPr id="148" name="Count"/>
+          <p:cNvPr id="147" name="Count"/>
           <p:cNvSpPr txBox="1"/>
           <p:nvPr/>
         </p:nvSpPr>
         <p:spPr>
           <a:xfrm>
-            <a:off x="16002640" y="12312649"/>
+            <a:off x="16145515" y="11455399"/>
             <a:ext cx="1228503" cy="660401"/>
           </a:xfrm>
           <a:prstGeom prst="rect">
@@ -4383,13 +4338,13 @@
       </p:sp>
       <p:sp>
         <p:nvSpPr>
-          <p:cNvPr id="149" name="Drug Brand Name"/>
+          <p:cNvPr id="148" name="Drug Brand Name"/>
           <p:cNvSpPr txBox="1"/>
           <p:nvPr/>
         </p:nvSpPr>
         <p:spPr>
           <a:xfrm rot="16200000">
-            <a:off x="7705048" y="7752506"/>
+            <a:off x="7847923" y="6895256"/>
             <a:ext cx="3422080" cy="660401"/>
           </a:xfrm>
           <a:prstGeom prst="rect">
@@ -4428,7 +4383,7 @@
       </p:sp>
       <p:sp>
         <p:nvSpPr>
-          <p:cNvPr id="150" name="CHOICE IN DRUG TYPE AND BRAND"/>
+          <p:cNvPr id="149" name="CHOICE IN DRUG TYPE AND BRAND"/>
           <p:cNvSpPr txBox="1"/>
           <p:nvPr/>
         </p:nvSpPr>
@@ -4499,7 +4454,7 @@
       </p:grpSpPr>
       <p:sp>
         <p:nvSpPr>
-          <p:cNvPr id="152" name="Line"/>
+          <p:cNvPr id="151" name="Line"/>
           <p:cNvSpPr/>
           <p:nvPr/>
         </p:nvSpPr>
@@ -4540,7 +4495,7 @@
       </p:sp>
       <p:grpSp>
         <p:nvGrpSpPr>
-          <p:cNvPr id="155" name="Group"/>
+          <p:cNvPr id="154" name="Group"/>
           <p:cNvGrpSpPr/>
           <p:nvPr/>
         </p:nvGrpSpPr>
@@ -4554,7 +4509,7 @@
         </p:grpSpPr>
         <p:pic>
           <p:nvPicPr>
-            <p:cNvPr id="153" name="MosaicSatisfactionDrugType.png" descr="MosaicSatisfactionDrugType.png"/>
+            <p:cNvPr id="152" name="MosaicSatisfactionDrugType.png" descr="MosaicSatisfactionDrugType.png"/>
             <p:cNvPicPr>
               <a:picLocks noChangeAspect="1"/>
             </p:cNvPicPr>
@@ -4585,7 +4540,7 @@
         </p:pic>
         <p:sp>
           <p:nvSpPr>
-            <p:cNvPr id="154" name="Drug Classification"/>
+            <p:cNvPr id="153" name="Drug Classification"/>
             <p:cNvSpPr txBox="1"/>
             <p:nvPr/>
           </p:nvSpPr>
@@ -4634,7 +4589,7 @@
       </p:grpSp>
       <p:grpSp>
         <p:nvGrpSpPr>
-          <p:cNvPr id="161" name="Group"/>
+          <p:cNvPr id="160" name="Group"/>
           <p:cNvGrpSpPr/>
           <p:nvPr/>
         </p:nvGrpSpPr>
@@ -4648,7 +4603,7 @@
         </p:grpSpPr>
         <p:pic>
           <p:nvPicPr>
-            <p:cNvPr id="156" name="SE&amp;EffByDrugType.png" descr="SE&amp;EffByDrugType.png"/>
+            <p:cNvPr id="155" name="SE&amp;EffByDrugType.png" descr="SE&amp;EffByDrugType.png"/>
             <p:cNvPicPr>
               <a:picLocks noChangeAspect="1"/>
             </p:cNvPicPr>
@@ -4679,7 +4634,7 @@
         </p:pic>
         <p:sp>
           <p:nvSpPr>
-            <p:cNvPr id="157" name="Drug Classification"/>
+            <p:cNvPr id="156" name="Drug Classification"/>
             <p:cNvSpPr txBox="1"/>
             <p:nvPr/>
           </p:nvSpPr>
@@ -4727,7 +4682,7 @@
         </p:sp>
         <p:sp>
           <p:nvSpPr>
-            <p:cNvPr id="158" name="Rectangle"/>
+            <p:cNvPr id="157" name="Rectangle"/>
             <p:cNvSpPr/>
             <p:nvPr/>
           </p:nvSpPr>
@@ -4770,7 +4725,7 @@
         </p:sp>
         <p:sp>
           <p:nvSpPr>
-            <p:cNvPr id="159" name="Effectiveness"/>
+            <p:cNvPr id="158" name="Effectiveness"/>
             <p:cNvSpPr txBox="1"/>
             <p:nvPr/>
           </p:nvSpPr>
@@ -4818,7 +4773,7 @@
         </p:sp>
         <p:sp>
           <p:nvSpPr>
-            <p:cNvPr id="160" name="Side Effects"/>
+            <p:cNvPr id="159" name="Side Effects"/>
             <p:cNvSpPr txBox="1"/>
             <p:nvPr/>
           </p:nvSpPr>
@@ -4867,7 +4822,7 @@
       </p:grpSp>
       <p:sp>
         <p:nvSpPr>
-          <p:cNvPr id="162" name="Effectiveness (1 = Ineffective … 5 = Highly Effective)"/>
+          <p:cNvPr id="161" name="Effectiveness (1 = Ineffective … 5 = Highly Effective)"/>
           <p:cNvSpPr txBox="1"/>
           <p:nvPr/>
         </p:nvSpPr>
@@ -4914,7 +4869,7 @@
       </p:sp>
       <p:sp>
         <p:nvSpPr>
-          <p:cNvPr id="163" name="Side Effects (1 = Extremely Severe … 5 = None)"/>
+          <p:cNvPr id="162" name="Side Effects (1 = Extremely Severe … 5 = None)"/>
           <p:cNvSpPr txBox="1"/>
           <p:nvPr/>
         </p:nvSpPr>
@@ -4961,7 +4916,7 @@
       </p:sp>
       <p:sp>
         <p:nvSpPr>
-          <p:cNvPr id="164" name="COMPARISON BY DRUG TYPE"/>
+          <p:cNvPr id="163" name="COMPARISON BY DRUG TYPE"/>
           <p:cNvSpPr txBox="1"/>
           <p:nvPr/>
         </p:nvSpPr>
@@ -5032,7 +4987,7 @@
       </p:grpSpPr>
       <p:sp>
         <p:nvSpPr>
-          <p:cNvPr id="166" name="Line"/>
+          <p:cNvPr id="165" name="Line"/>
           <p:cNvSpPr/>
           <p:nvPr/>
         </p:nvSpPr>
@@ -5071,56 +5026,193 @@
           </a:p>
         </p:txBody>
       </p:sp>
+      <p:sp>
+        <p:nvSpPr>
+          <p:cNvPr id="166" name="Effectiveness (1 = Ineffective … 5 = Highly Effective)"/>
+          <p:cNvSpPr txBox="1"/>
+          <p:nvPr/>
+        </p:nvSpPr>
+        <p:spPr>
+          <a:xfrm>
+            <a:off x="2412143" y="11380787"/>
+            <a:ext cx="9228964" cy="622301"/>
+          </a:xfrm>
+          <a:prstGeom prst="rect">
+            <a:avLst/>
+          </a:prstGeom>
+          <a:ln w="12700">
+            <a:miter lim="400000"/>
+          </a:ln>
+          <a:extLst>
+            <a:ext uri="{C572A759-6A51-4108-AA02-DFA0A04FC94B}">
+              <ma14:wrappingTextBoxFlag xmlns:ma14="http://schemas.microsoft.com/office/mac/drawingml/2011/main" val="1"/>
+            </a:ext>
+          </a:extLst>
+        </p:spPr>
+        <p:txBody>
+          <a:bodyPr wrap="none" lIns="50800" tIns="50800" rIns="50800" bIns="50800" anchor="ctr">
+            <a:spAutoFit/>
+          </a:bodyPr>
+          <a:lstStyle/>
+          <a:p>
+            <a:pPr algn="l">
+              <a:defRPr b="0">
+                <a:latin typeface="Avenir Next"/>
+                <a:ea typeface="Avenir Next"/>
+                <a:cs typeface="Avenir Next"/>
+                <a:sym typeface="Avenir Next"/>
+              </a:defRPr>
+            </a:pPr>
+            <a:r>
+              <a:rPr b="1"/>
+              <a:t>Effectiveness</a:t>
+            </a:r>
+            <a:r>
+              <a:t> (1 = Ineffective … 5 = Highly Effective)</a:t>
+            </a:r>
+          </a:p>
+        </p:txBody>
+      </p:sp>
+      <p:sp>
+        <p:nvSpPr>
+          <p:cNvPr id="167" name="Side Effects (1 = Extremely Severe … 5 = None)"/>
+          <p:cNvSpPr txBox="1"/>
+          <p:nvPr/>
+        </p:nvSpPr>
+        <p:spPr>
+          <a:xfrm>
+            <a:off x="2428145" y="12031662"/>
+            <a:ext cx="8435722" cy="622301"/>
+          </a:xfrm>
+          <a:prstGeom prst="rect">
+            <a:avLst/>
+          </a:prstGeom>
+          <a:ln w="12700">
+            <a:miter lim="400000"/>
+          </a:ln>
+          <a:extLst>
+            <a:ext uri="{C572A759-6A51-4108-AA02-DFA0A04FC94B}">
+              <ma14:wrappingTextBoxFlag xmlns:ma14="http://schemas.microsoft.com/office/mac/drawingml/2011/main" val="1"/>
+            </a:ext>
+          </a:extLst>
+        </p:spPr>
+        <p:txBody>
+          <a:bodyPr wrap="none" lIns="50800" tIns="50800" rIns="50800" bIns="50800" anchor="ctr">
+            <a:spAutoFit/>
+          </a:bodyPr>
+          <a:lstStyle/>
+          <a:p>
+            <a:pPr algn="l">
+              <a:defRPr b="0">
+                <a:latin typeface="Avenir Next"/>
+                <a:ea typeface="Avenir Next"/>
+                <a:cs typeface="Avenir Next"/>
+                <a:sym typeface="Avenir Next"/>
+              </a:defRPr>
+            </a:pPr>
+            <a:r>
+              <a:rPr b="1"/>
+              <a:t>Side Effects</a:t>
+            </a:r>
+            <a:r>
+              <a:t> (1 = Extremely Severe … 5 = None)</a:t>
+            </a:r>
+          </a:p>
+        </p:txBody>
+      </p:sp>
+      <p:sp>
+        <p:nvSpPr>
+          <p:cNvPr id="168" name="RELATIONS BETWEEN DRUG EVALUATIONS"/>
+          <p:cNvSpPr txBox="1"/>
+          <p:nvPr/>
+        </p:nvSpPr>
+        <p:spPr>
+          <a:xfrm>
+            <a:off x="2274087" y="1014412"/>
+            <a:ext cx="21026451" cy="1320801"/>
+          </a:xfrm>
+          <a:prstGeom prst="rect">
+            <a:avLst/>
+          </a:prstGeom>
+          <a:ln w="12700">
+            <a:miter lim="400000"/>
+          </a:ln>
+          <a:extLst>
+            <a:ext uri="{C572A759-6A51-4108-AA02-DFA0A04FC94B}">
+              <ma14:wrappingTextBoxFlag xmlns:ma14="http://schemas.microsoft.com/office/mac/drawingml/2011/main" val="1"/>
+            </a:ext>
+          </a:extLst>
+        </p:spPr>
+        <p:txBody>
+          <a:bodyPr lIns="50800" tIns="50800" rIns="50800" bIns="50800" anchor="ctr">
+            <a:spAutoFit/>
+          </a:bodyPr>
+          <a:lstStyle>
+            <a:lvl1pPr algn="l">
+              <a:defRPr b="0" sz="7000">
+                <a:latin typeface="Avenir Next"/>
+                <a:ea typeface="Avenir Next"/>
+                <a:cs typeface="Avenir Next"/>
+                <a:sym typeface="Avenir Next"/>
+              </a:defRPr>
+            </a:lvl1pPr>
+          </a:lstStyle>
+          <a:p>
+            <a:pPr/>
+            <a:r>
+              <a:t>RELATIONS BETWEEN DRUG EVALUATIONS</a:t>
+            </a:r>
+          </a:p>
+        </p:txBody>
+      </p:sp>
+      <p:pic>
+        <p:nvPicPr>
+          <p:cNvPr id="169" name="side_effects_perc.png" descr="side_effects_perc.png"/>
+          <p:cNvPicPr>
+            <a:picLocks noChangeAspect="1"/>
+          </p:cNvPicPr>
+          <p:nvPr/>
+        </p:nvPicPr>
+        <p:blipFill>
+          <a:blip r:embed="rId2">
+            <a:extLst/>
+          </a:blip>
+          <a:stretch>
+            <a:fillRect/>
+          </a:stretch>
+        </p:blipFill>
+        <p:spPr>
+          <a:xfrm>
+            <a:off x="2804589" y="3016583"/>
+            <a:ext cx="7682834" cy="7682834"/>
+          </a:xfrm>
+          <a:prstGeom prst="rect">
+            <a:avLst/>
+          </a:prstGeom>
+          <a:ln w="12700">
+            <a:miter lim="400000"/>
+          </a:ln>
+        </p:spPr>
+      </p:pic>
       <p:grpSp>
         <p:nvGrpSpPr>
-          <p:cNvPr id="176" name="Group"/>
+          <p:cNvPr id="179" name="Group"/>
           <p:cNvGrpSpPr/>
           <p:nvPr/>
         </p:nvGrpSpPr>
         <p:grpSpPr>
           <a:xfrm>
-            <a:off x="12187237" y="3132925"/>
-            <a:ext cx="9998321" cy="9424122"/>
+            <a:off x="12179423" y="2975492"/>
+            <a:ext cx="9464256" cy="9389468"/>
             <a:chOff x="0" y="0"/>
-            <a:chExt cx="9998319" cy="9424121"/>
+            <a:chExt cx="9464254" cy="9389466"/>
           </a:xfrm>
         </p:grpSpPr>
         <p:pic>
           <p:nvPicPr>
-            <p:cNvPr id="167" name="DrugEff&amp;Satisfaction.png" descr="DrugEff&amp;Satisfaction.png"/>
+            <p:cNvPr id="170" name="SideEffect&amp;Satis.png" descr="SideEffect&amp;Satis.png"/>
             <p:cNvPicPr>
-              <a:picLocks noChangeAspect="1"/>
-            </p:cNvPicPr>
-            <p:nvPr/>
-          </p:nvPicPr>
-          <p:blipFill>
-            <a:blip r:embed="rId2">
-              <a:extLst/>
-            </a:blip>
-            <a:stretch>
-              <a:fillRect/>
-            </a:stretch>
-          </p:blipFill>
-          <p:spPr>
-            <a:xfrm>
-              <a:off x="188800" y="0"/>
-              <a:ext cx="9809520" cy="4577023"/>
-            </a:xfrm>
-            <a:prstGeom prst="rect">
-              <a:avLst/>
-            </a:prstGeom>
-            <a:ln w="12700" cap="flat">
-              <a:noFill/>
-              <a:miter lim="400000"/>
-            </a:ln>
-            <a:effectLst/>
-          </p:spPr>
-        </p:pic>
-        <p:pic>
-          <p:nvPicPr>
-            <p:cNvPr id="168" name="DrugSE&amp;Satisfaction.png" descr="DrugSE&amp;Satisfaction.png"/>
-            <p:cNvPicPr>
-              <a:picLocks noChangeAspect="1"/>
+              <a:picLocks noChangeAspect="0"/>
             </p:cNvPicPr>
             <p:nvPr/>
           </p:nvPicPr>
@@ -5134,8 +5226,8 @@
           </p:blipFill>
           <p:spPr>
             <a:xfrm>
-              <a:off x="188800" y="4575197"/>
-              <a:ext cx="9809520" cy="4740904"/>
+              <a:off x="401960" y="4758842"/>
+              <a:ext cx="9062295" cy="4295274"/>
             </a:xfrm>
             <a:prstGeom prst="rect">
               <a:avLst/>
@@ -5149,13 +5241,13 @@
         </p:pic>
         <p:sp>
           <p:nvSpPr>
-            <p:cNvPr id="169" name="Rectangle"/>
+            <p:cNvPr id="171" name="Rectangle"/>
             <p:cNvSpPr/>
             <p:nvPr/>
           </p:nvSpPr>
           <p:spPr>
             <a:xfrm>
-              <a:off x="276473" y="1653511"/>
+              <a:off x="284286" y="1658543"/>
               <a:ext cx="320428" cy="1270001"/>
             </a:xfrm>
             <a:prstGeom prst="rect">
@@ -5192,13 +5284,13 @@
         </p:sp>
         <p:sp>
           <p:nvSpPr>
-            <p:cNvPr id="170" name="Effectiveness Rating"/>
+            <p:cNvPr id="172" name="Effectiveness Rating"/>
             <p:cNvSpPr txBox="1"/>
             <p:nvPr/>
           </p:nvSpPr>
           <p:spPr>
             <a:xfrm rot="16200000">
-              <a:off x="-1128868" y="2034511"/>
+              <a:off x="-1128868" y="2308033"/>
               <a:ext cx="2765736" cy="508001"/>
             </a:xfrm>
             <a:prstGeom prst="rect">
@@ -5240,13 +5332,13 @@
         </p:sp>
         <p:sp>
           <p:nvSpPr>
-            <p:cNvPr id="171" name="Rectangle"/>
+            <p:cNvPr id="173" name="Rectangle"/>
             <p:cNvSpPr/>
             <p:nvPr/>
           </p:nvSpPr>
           <p:spPr>
             <a:xfrm>
-              <a:off x="276473" y="5878377"/>
+              <a:off x="93786" y="5907222"/>
               <a:ext cx="320428" cy="1852663"/>
             </a:xfrm>
             <a:prstGeom prst="rect">
@@ -5283,13 +5375,13 @@
         </p:sp>
         <p:sp>
           <p:nvSpPr>
-            <p:cNvPr id="172" name="Side Effects Rating"/>
+            <p:cNvPr id="174" name="Side Effects Rating"/>
             <p:cNvSpPr txBox="1"/>
             <p:nvPr/>
           </p:nvSpPr>
           <p:spPr>
             <a:xfrm rot="16200000">
-              <a:off x="-1023585" y="6550708"/>
+              <a:off x="-1023585" y="6652479"/>
               <a:ext cx="2555170" cy="508001"/>
             </a:xfrm>
             <a:prstGeom prst="rect">
@@ -5331,13 +5423,13 @@
         </p:sp>
         <p:sp>
           <p:nvSpPr>
-            <p:cNvPr id="173" name="Rectangle"/>
+            <p:cNvPr id="175" name="Rectangle"/>
             <p:cNvSpPr/>
             <p:nvPr/>
           </p:nvSpPr>
           <p:spPr>
             <a:xfrm>
-              <a:off x="3756273" y="8935779"/>
+              <a:off x="3573586" y="8964624"/>
               <a:ext cx="2025626" cy="341685"/>
             </a:xfrm>
             <a:prstGeom prst="rect">
@@ -5374,14 +5466,14 @@
         </p:sp>
         <p:sp>
           <p:nvSpPr>
-            <p:cNvPr id="174" name="Rectangle"/>
+            <p:cNvPr id="176" name="Rectangle"/>
             <p:cNvSpPr/>
             <p:nvPr/>
           </p:nvSpPr>
           <p:spPr>
             <a:xfrm>
-              <a:off x="3756273" y="4173357"/>
-              <a:ext cx="2025626" cy="341686"/>
+              <a:off x="3573586" y="4202202"/>
+              <a:ext cx="2025626" cy="341685"/>
             </a:xfrm>
             <a:prstGeom prst="rect">
               <a:avLst/>
@@ -5417,13 +5509,13 @@
         </p:sp>
         <p:sp>
           <p:nvSpPr>
-            <p:cNvPr id="175" name="Proportion"/>
+            <p:cNvPr id="177" name="Proportion"/>
             <p:cNvSpPr txBox="1"/>
             <p:nvPr/>
           </p:nvSpPr>
           <p:spPr>
             <a:xfrm>
-              <a:off x="3962127" y="8916121"/>
+              <a:off x="4151548" y="8881466"/>
               <a:ext cx="1563118" cy="508001"/>
             </a:xfrm>
             <a:prstGeom prst="rect">
@@ -5463,24 +5555,9 @@
             </a:p>
           </p:txBody>
         </p:sp>
-      </p:grpSp>
-      <p:grpSp>
-        <p:nvGrpSpPr>
-          <p:cNvPr id="182" name="Group"/>
-          <p:cNvGrpSpPr/>
-          <p:nvPr/>
-        </p:nvGrpSpPr>
-        <p:grpSpPr>
-          <a:xfrm>
-            <a:off x="2368549" y="3086139"/>
-            <a:ext cx="8737031" cy="7340522"/>
-            <a:chOff x="0" y="0"/>
-            <a:chExt cx="8737029" cy="7340521"/>
-          </a:xfrm>
-        </p:grpSpPr>
         <p:pic>
           <p:nvPicPr>
-            <p:cNvPr id="177" name="DrugEff&amp;SE.png" descr="DrugEff&amp;SE.png"/>
+            <p:cNvPr id="178" name="Effect&amp;Satis.png" descr="Effect&amp;Satis.png"/>
             <p:cNvPicPr>
               <a:picLocks noChangeAspect="1"/>
             </p:cNvPicPr>
@@ -5496,8 +5573,8 @@
           </p:blipFill>
           <p:spPr>
             <a:xfrm>
-              <a:off x="253429" y="0"/>
-              <a:ext cx="8483601" cy="7112000"/>
+              <a:off x="401960" y="0"/>
+              <a:ext cx="9062295" cy="4587087"/>
             </a:xfrm>
             <a:prstGeom prst="rect">
               <a:avLst/>
@@ -5509,199 +5586,27 @@
             <a:effectLst/>
           </p:spPr>
         </p:pic>
-        <p:sp>
-          <p:nvSpPr>
-            <p:cNvPr id="178" name="Rectangle"/>
-            <p:cNvSpPr/>
-            <p:nvPr/>
-          </p:nvSpPr>
-          <p:spPr>
-            <a:xfrm>
-              <a:off x="371723" y="2789237"/>
-              <a:ext cx="320427" cy="1270001"/>
-            </a:xfrm>
-            <a:prstGeom prst="rect">
-              <a:avLst/>
-            </a:prstGeom>
-            <a:solidFill>
-              <a:srgbClr val="FFFFFF"/>
-            </a:solidFill>
-            <a:ln w="12700" cap="flat">
-              <a:noFill/>
-              <a:miter lim="400000"/>
-            </a:ln>
-            <a:effectLst/>
-          </p:spPr>
-          <p:txBody>
-            <a:bodyPr wrap="square" lIns="0" tIns="0" rIns="0" bIns="0" numCol="1" anchor="ctr">
-              <a:noAutofit/>
-            </a:bodyPr>
-            <a:lstStyle/>
-            <a:p>
-              <a:pPr>
-                <a:defRPr b="0" sz="3200">
-                  <a:solidFill>
-                    <a:srgbClr val="FFFFFF"/>
-                  </a:solidFill>
-                  <a:latin typeface="+mn-lt"/>
-                  <a:ea typeface="+mn-ea"/>
-                  <a:cs typeface="+mn-cs"/>
-                  <a:sym typeface="Helvetica Neue Medium"/>
-                </a:defRPr>
-              </a:pPr>
-            </a:p>
-          </p:txBody>
-        </p:sp>
-        <p:sp>
-          <p:nvSpPr>
-            <p:cNvPr id="179" name="Effectiveness Rating"/>
-            <p:cNvSpPr txBox="1"/>
-            <p:nvPr/>
-          </p:nvSpPr>
-          <p:spPr>
-            <a:xfrm rot="16200000">
-              <a:off x="-1173507" y="3295650"/>
-              <a:ext cx="2867714" cy="520701"/>
-            </a:xfrm>
-            <a:prstGeom prst="rect">
-              <a:avLst/>
-            </a:prstGeom>
-            <a:noFill/>
-            <a:ln w="12700" cap="flat">
-              <a:noFill/>
-              <a:miter lim="400000"/>
-            </a:ln>
-            <a:effectLst/>
-            <a:extLst>
-              <a:ext uri="{C572A759-6A51-4108-AA02-DFA0A04FC94B}">
-                <ma14:wrappingTextBoxFlag xmlns:ma14="http://schemas.microsoft.com/office/mac/drawingml/2011/main" val="1"/>
-              </a:ext>
-            </a:extLst>
-          </p:spPr>
-          <p:txBody>
-            <a:bodyPr wrap="none" lIns="50800" tIns="50800" rIns="50800" bIns="50800" numCol="1" anchor="ctr">
-              <a:spAutoFit/>
-            </a:bodyPr>
-            <a:lstStyle>
-              <a:lvl1pPr>
-                <a:defRPr b="0" sz="2700">
-                  <a:latin typeface="Calibri"/>
-                  <a:ea typeface="Calibri"/>
-                  <a:cs typeface="Calibri"/>
-                  <a:sym typeface="Calibri"/>
-                </a:defRPr>
-              </a:lvl1pPr>
-            </a:lstStyle>
-            <a:p>
-              <a:pPr/>
-              <a:r>
-                <a:t>Effectiveness Rating</a:t>
-              </a:r>
-            </a:p>
-          </p:txBody>
-        </p:sp>
-        <p:sp>
-          <p:nvSpPr>
-            <p:cNvPr id="180" name="Rectangle"/>
-            <p:cNvSpPr/>
-            <p:nvPr/>
-          </p:nvSpPr>
-          <p:spPr>
-            <a:xfrm>
-              <a:off x="2665660" y="6654800"/>
-              <a:ext cx="2025626" cy="341685"/>
-            </a:xfrm>
-            <a:prstGeom prst="rect">
-              <a:avLst/>
-            </a:prstGeom>
-            <a:solidFill>
-              <a:srgbClr val="FFFFFF"/>
-            </a:solidFill>
-            <a:ln w="12700" cap="flat">
-              <a:noFill/>
-              <a:miter lim="400000"/>
-            </a:ln>
-            <a:effectLst/>
-          </p:spPr>
-          <p:txBody>
-            <a:bodyPr wrap="square" lIns="0" tIns="0" rIns="0" bIns="0" numCol="1" anchor="ctr">
-              <a:noAutofit/>
-            </a:bodyPr>
-            <a:lstStyle/>
-            <a:p>
-              <a:pPr>
-                <a:defRPr b="0" sz="3200">
-                  <a:solidFill>
-                    <a:srgbClr val="FFFFFF"/>
-                  </a:solidFill>
-                  <a:latin typeface="+mn-lt"/>
-                  <a:ea typeface="+mn-ea"/>
-                  <a:cs typeface="+mn-cs"/>
-                  <a:sym typeface="Helvetica Neue Medium"/>
-                </a:defRPr>
-              </a:pPr>
-            </a:p>
-          </p:txBody>
-        </p:sp>
-        <p:sp>
-          <p:nvSpPr>
-            <p:cNvPr id="181" name="Proportion"/>
-            <p:cNvSpPr txBox="1"/>
-            <p:nvPr/>
-          </p:nvSpPr>
-          <p:spPr>
-            <a:xfrm>
-              <a:off x="2869052" y="6819821"/>
-              <a:ext cx="1618842" cy="520701"/>
-            </a:xfrm>
-            <a:prstGeom prst="rect">
-              <a:avLst/>
-            </a:prstGeom>
-            <a:noFill/>
-            <a:ln w="12700" cap="flat">
-              <a:noFill/>
-              <a:miter lim="400000"/>
-            </a:ln>
-            <a:effectLst/>
-            <a:extLst>
-              <a:ext uri="{C572A759-6A51-4108-AA02-DFA0A04FC94B}">
-                <ma14:wrappingTextBoxFlag xmlns:ma14="http://schemas.microsoft.com/office/mac/drawingml/2011/main" val="1"/>
-              </a:ext>
-            </a:extLst>
-          </p:spPr>
-          <p:txBody>
-            <a:bodyPr wrap="none" lIns="50800" tIns="50800" rIns="50800" bIns="50800" numCol="1" anchor="ctr">
-              <a:spAutoFit/>
-            </a:bodyPr>
-            <a:lstStyle>
-              <a:lvl1pPr>
-                <a:defRPr b="0" sz="2700">
-                  <a:latin typeface="Calibri"/>
-                  <a:ea typeface="Calibri"/>
-                  <a:cs typeface="Calibri"/>
-                  <a:sym typeface="Calibri"/>
-                </a:defRPr>
-              </a:lvl1pPr>
-            </a:lstStyle>
-            <a:p>
-              <a:pPr/>
-              <a:r>
-                <a:t>Proportion</a:t>
-              </a:r>
-            </a:p>
-          </p:txBody>
-        </p:sp>
       </p:grpSp>
-      <p:sp>
-        <p:nvSpPr>
-          <p:cNvPr id="183" name="Effectiveness (1 = Ineffective … 5 = Highly Effective)"/>
-          <p:cNvSpPr txBox="1"/>
+      <p:pic>
+        <p:nvPicPr>
+          <p:cNvPr id="180" name="ScatterRatings.png" descr="ScatterRatings.png"/>
+          <p:cNvPicPr>
+            <a:picLocks noChangeAspect="1"/>
+          </p:cNvPicPr>
           <p:nvPr/>
-        </p:nvSpPr>
+        </p:nvPicPr>
+        <p:blipFill>
+          <a:blip r:embed="rId5">
+            <a:extLst/>
+          </a:blip>
+          <a:stretch>
+            <a:fillRect/>
+          </a:stretch>
+        </p:blipFill>
         <p:spPr>
           <a:xfrm>
-            <a:off x="2412143" y="11380787"/>
-            <a:ext cx="9228964" cy="622301"/>
+            <a:off x="11857310" y="3302000"/>
+            <a:ext cx="9464255" cy="7934105"/>
           </a:xfrm>
           <a:prstGeom prst="rect">
             <a:avLst/>
@@ -5709,134 +5614,223 @@
           <a:ln w="12700">
             <a:miter lim="400000"/>
           </a:ln>
-          <a:extLst>
-            <a:ext uri="{C572A759-6A51-4108-AA02-DFA0A04FC94B}">
-              <ma14:wrappingTextBoxFlag xmlns:ma14="http://schemas.microsoft.com/office/mac/drawingml/2011/main" val="1"/>
-            </a:ext>
-          </a:extLst>
-        </p:spPr>
-        <p:txBody>
-          <a:bodyPr wrap="none" lIns="50800" tIns="50800" rIns="50800" bIns="50800" anchor="ctr">
-            <a:spAutoFit/>
-          </a:bodyPr>
-          <a:lstStyle/>
-          <a:p>
-            <a:pPr algn="l">
-              <a:defRPr b="0">
-                <a:latin typeface="Avenir Next"/>
-                <a:ea typeface="Avenir Next"/>
-                <a:cs typeface="Avenir Next"/>
-                <a:sym typeface="Avenir Next"/>
-              </a:defRPr>
-            </a:pPr>
-            <a:r>
-              <a:rPr b="1"/>
-              <a:t>Effectiveness</a:t>
-            </a:r>
-            <a:r>
-              <a:t> (1 = Ineffective … 5 = Highly Effective)</a:t>
-            </a:r>
-          </a:p>
-        </p:txBody>
-      </p:sp>
-      <p:sp>
-        <p:nvSpPr>
-          <p:cNvPr id="184" name="Side Effects (1 = Extremely Severe … 5 = None)"/>
-          <p:cNvSpPr txBox="1"/>
-          <p:nvPr/>
-        </p:nvSpPr>
-        <p:spPr>
-          <a:xfrm>
-            <a:off x="2428145" y="12031662"/>
-            <a:ext cx="8435722" cy="622301"/>
-          </a:xfrm>
-          <a:prstGeom prst="rect">
-            <a:avLst/>
-          </a:prstGeom>
-          <a:ln w="12700">
-            <a:miter lim="400000"/>
-          </a:ln>
-          <a:extLst>
-            <a:ext uri="{C572A759-6A51-4108-AA02-DFA0A04FC94B}">
-              <ma14:wrappingTextBoxFlag xmlns:ma14="http://schemas.microsoft.com/office/mac/drawingml/2011/main" val="1"/>
-            </a:ext>
-          </a:extLst>
-        </p:spPr>
-        <p:txBody>
-          <a:bodyPr wrap="none" lIns="50800" tIns="50800" rIns="50800" bIns="50800" anchor="ctr">
-            <a:spAutoFit/>
-          </a:bodyPr>
-          <a:lstStyle/>
-          <a:p>
-            <a:pPr algn="l">
-              <a:defRPr b="0">
-                <a:latin typeface="Avenir Next"/>
-                <a:ea typeface="Avenir Next"/>
-                <a:cs typeface="Avenir Next"/>
-                <a:sym typeface="Avenir Next"/>
-              </a:defRPr>
-            </a:pPr>
-            <a:r>
-              <a:rPr b="1"/>
-              <a:t>Side Effects</a:t>
-            </a:r>
-            <a:r>
-              <a:t> (1 = Extremely Severe … 5 = None)</a:t>
-            </a:r>
-          </a:p>
-        </p:txBody>
-      </p:sp>
-      <p:sp>
-        <p:nvSpPr>
-          <p:cNvPr id="185" name="RELATIONS BETWEEN DRUG EVALUATIONS"/>
-          <p:cNvSpPr txBox="1"/>
-          <p:nvPr/>
-        </p:nvSpPr>
-        <p:spPr>
-          <a:xfrm>
-            <a:off x="2274087" y="1014412"/>
-            <a:ext cx="21026451" cy="1320801"/>
-          </a:xfrm>
-          <a:prstGeom prst="rect">
-            <a:avLst/>
-          </a:prstGeom>
-          <a:ln w="12700">
-            <a:miter lim="400000"/>
-          </a:ln>
-          <a:extLst>
-            <a:ext uri="{C572A759-6A51-4108-AA02-DFA0A04FC94B}">
-              <ma14:wrappingTextBoxFlag xmlns:ma14="http://schemas.microsoft.com/office/mac/drawingml/2011/main" val="1"/>
-            </a:ext>
-          </a:extLst>
-        </p:spPr>
-        <p:txBody>
-          <a:bodyPr lIns="50800" tIns="50800" rIns="50800" bIns="50800" anchor="ctr">
-            <a:spAutoFit/>
-          </a:bodyPr>
-          <a:lstStyle>
-            <a:lvl1pPr algn="l">
-              <a:defRPr b="0" sz="7000">
-                <a:latin typeface="Avenir Next"/>
-                <a:ea typeface="Avenir Next"/>
-                <a:cs typeface="Avenir Next"/>
-                <a:sym typeface="Avenir Next"/>
-              </a:defRPr>
-            </a:lvl1pPr>
-          </a:lstStyle>
-          <a:p>
-            <a:pPr/>
-            <a:r>
-              <a:t>RELATIONS BETWEEN DRUG EVALUATIONS</a:t>
-            </a:r>
-          </a:p>
-        </p:txBody>
-      </p:sp>
+        </p:spPr>
+      </p:pic>
     </p:spTree>
   </p:cSld>
   <p:clrMapOvr>
     <a:masterClrMapping/>
   </p:clrMapOvr>
   <p:transition xmlns:p14="http://schemas.microsoft.com/office/powerpoint/2010/main" spd="med" advClick="1"/>
+  <p:timing>
+    <p:tnLst>
+      <p:par>
+        <p:cTn id="1" nodeType="tmRoot" restart="never" dur="indefinite" fill="hold">
+          <p:childTnLst>
+            <p:seq concurrent="1" prevAc="none" nextAc="seek">
+              <p:cTn id="2" nodeType="mainSeq" dur="indefinite" fill="hold">
+                <p:childTnLst>
+                  <p:par>
+                    <p:cTn id="3" fill="hold">
+                      <p:stCondLst>
+                        <p:cond delay="indefinite"/>
+                      </p:stCondLst>
+                      <p:childTnLst>
+                        <p:par>
+                          <p:cTn id="4" fill="hold">
+                            <p:stCondLst>
+                              <p:cond delay="0"/>
+                            </p:stCondLst>
+                            <p:childTnLst>
+                              <p:par>
+                                <p:cTn id="5" presetClass="exit" nodeType="clickEffect" presetSubtype="32" presetID="23" grpId="1" fill="hold">
+                                  <p:stCondLst>
+                                    <p:cond delay="0"/>
+                                  </p:stCondLst>
+                                  <p:iterate type="el" backwards="0">
+                                    <p:tmAbs val="0"/>
+                                  </p:iterate>
+                                  <p:childTnLst>
+                                    <p:anim calcmode="lin" valueType="num">
+                                      <p:cBhvr>
+                                        <p:cTn id="6" dur="100" fill="hold"/>
+                                        <p:tgtEl>
+                                          <p:spTgt spid="179"/>
+                                        </p:tgtEl>
+                                        <p:attrNameLst>
+                                          <p:attrName>ppt_w</p:attrName>
+                                        </p:attrNameLst>
+                                      </p:cBhvr>
+                                      <p:tavLst>
+                                        <p:tav tm="0">
+                                          <p:val>
+                                            <p:strVal val="ppt_w"/>
+                                          </p:val>
+                                        </p:tav>
+                                        <p:tav tm="100000">
+                                          <p:val>
+                                            <p:fltVal val="0"/>
+                                          </p:val>
+                                        </p:tav>
+                                      </p:tavLst>
+                                    </p:anim>
+                                    <p:anim calcmode="lin" valueType="num">
+                                      <p:cBhvr>
+                                        <p:cTn id="7" dur="100" fill="hold"/>
+                                        <p:tgtEl>
+                                          <p:spTgt spid="179"/>
+                                        </p:tgtEl>
+                                        <p:attrNameLst>
+                                          <p:attrName>ppt_h</p:attrName>
+                                        </p:attrNameLst>
+                                      </p:cBhvr>
+                                      <p:tavLst>
+                                        <p:tav tm="0">
+                                          <p:val>
+                                            <p:strVal val="ppt_h"/>
+                                          </p:val>
+                                        </p:tav>
+                                        <p:tav tm="100000">
+                                          <p:val>
+                                            <p:fltVal val="0"/>
+                                          </p:val>
+                                        </p:tav>
+                                      </p:tavLst>
+                                    </p:anim>
+                                    <p:set>
+                                      <p:cBhvr>
+                                        <p:cTn id="8" fill="hold">
+                                          <p:stCondLst>
+                                            <p:cond delay="99"/>
+                                          </p:stCondLst>
+                                        </p:cTn>
+                                        <p:tgtEl>
+                                          <p:spTgt spid="179"/>
+                                        </p:tgtEl>
+                                        <p:attrNameLst>
+                                          <p:attrName>style.visibility</p:attrName>
+                                        </p:attrNameLst>
+                                      </p:cBhvr>
+                                      <p:to>
+                                        <p:strVal val="hidden"/>
+                                      </p:to>
+                                    </p:set>
+                                  </p:childTnLst>
+                                </p:cTn>
+                              </p:par>
+                            </p:childTnLst>
+                          </p:cTn>
+                        </p:par>
+                        <p:par>
+                          <p:cTn id="9" fill="hold">
+                            <p:stCondLst>
+                              <p:cond delay="100"/>
+                            </p:stCondLst>
+                            <p:childTnLst>
+                              <p:par>
+                                <p:cTn id="10" presetClass="entr" nodeType="afterEffect" presetSubtype="16" presetID="23" grpId="2" fill="hold">
+                                  <p:stCondLst>
+                                    <p:cond delay="0"/>
+                                  </p:stCondLst>
+                                  <p:iterate type="el" backwards="0">
+                                    <p:tmAbs val="0"/>
+                                  </p:iterate>
+                                  <p:childTnLst>
+                                    <p:set>
+                                      <p:cBhvr>
+                                        <p:cTn id="11" fill="hold"/>
+                                        <p:tgtEl>
+                                          <p:spTgt spid="180"/>
+                                        </p:tgtEl>
+                                        <p:attrNameLst>
+                                          <p:attrName>style.visibility</p:attrName>
+                                        </p:attrNameLst>
+                                      </p:cBhvr>
+                                      <p:to>
+                                        <p:strVal val="visible"/>
+                                      </p:to>
+                                    </p:set>
+                                    <p:anim calcmode="lin" valueType="num">
+                                      <p:cBhvr>
+                                        <p:cTn id="12" dur="200" fill="hold"/>
+                                        <p:tgtEl>
+                                          <p:spTgt spid="180"/>
+                                        </p:tgtEl>
+                                        <p:attrNameLst>
+                                          <p:attrName>ppt_w</p:attrName>
+                                        </p:attrNameLst>
+                                      </p:cBhvr>
+                                      <p:tavLst>
+                                        <p:tav tm="0">
+                                          <p:val>
+                                            <p:fltVal val="0"/>
+                                          </p:val>
+                                        </p:tav>
+                                        <p:tav tm="100000">
+                                          <p:val>
+                                            <p:strVal val="#ppt_w"/>
+                                          </p:val>
+                                        </p:tav>
+                                      </p:tavLst>
+                                    </p:anim>
+                                    <p:anim calcmode="lin" valueType="num">
+                                      <p:cBhvr>
+                                        <p:cTn id="13" dur="200" fill="hold"/>
+                                        <p:tgtEl>
+                                          <p:spTgt spid="180"/>
+                                        </p:tgtEl>
+                                        <p:attrNameLst>
+                                          <p:attrName>ppt_h</p:attrName>
+                                        </p:attrNameLst>
+                                      </p:cBhvr>
+                                      <p:tavLst>
+                                        <p:tav tm="0">
+                                          <p:val>
+                                            <p:fltVal val="0"/>
+                                          </p:val>
+                                        </p:tav>
+                                        <p:tav tm="100000">
+                                          <p:val>
+                                            <p:strVal val="#ppt_h"/>
+                                          </p:val>
+                                        </p:tav>
+                                      </p:tavLst>
+                                    </p:anim>
+                                  </p:childTnLst>
+                                </p:cTn>
+                              </p:par>
+                            </p:childTnLst>
+                          </p:cTn>
+                        </p:par>
+                      </p:childTnLst>
+                    </p:cTn>
+                  </p:par>
+                </p:childTnLst>
+              </p:cTn>
+              <p:prevCondLst>
+                <p:cond evt="onPrev">
+                  <p:tgtEl>
+                    <p:sldTgt/>
+                  </p:tgtEl>
+                </p:cond>
+              </p:prevCondLst>
+              <p:nextCondLst>
+                <p:cond evt="onNext">
+                  <p:tgtEl>
+                    <p:sldTgt/>
+                  </p:tgtEl>
+                </p:cond>
+              </p:nextCondLst>
+            </p:seq>
+          </p:childTnLst>
+        </p:cTn>
+      </p:par>
+    </p:tnLst>
+    <p:bldLst>
+      <p:bldP build="whole" bldLvl="1" animBg="1" rev="0" advAuto="0" spid="179" grpId="1"/>
+      <p:bldP build="whole" bldLvl="1" animBg="1" rev="0" advAuto="0" spid="180" grpId="2"/>
+    </p:bldLst>
+  </p:timing>
 </p:sld>
 </file>
 
@@ -5859,7 +5853,7 @@
       </p:grpSpPr>
       <p:sp>
         <p:nvSpPr>
-          <p:cNvPr id="187" name="Line"/>
+          <p:cNvPr id="182" name="Line"/>
           <p:cNvSpPr/>
           <p:nvPr/>
         </p:nvSpPr>
@@ -5900,14 +5894,14 @@
       </p:sp>
       <p:sp>
         <p:nvSpPr>
-          <p:cNvPr id="188" name="MODELING STUFF GOES HERE."/>
+          <p:cNvPr id="183" name="PRELIMINARY MODELING"/>
           <p:cNvSpPr txBox="1"/>
           <p:nvPr/>
         </p:nvSpPr>
         <p:spPr>
           <a:xfrm>
-            <a:off x="4998148" y="5315713"/>
-            <a:ext cx="13054762" cy="560449"/>
+            <a:off x="2274087" y="1014412"/>
+            <a:ext cx="21026451" cy="1320801"/>
           </a:xfrm>
           <a:prstGeom prst="rect">
             <a:avLst/>
@@ -5925,11 +5919,195 @@
           <a:bodyPr lIns="50800" tIns="50800" rIns="50800" bIns="50800" anchor="ctr">
             <a:spAutoFit/>
           </a:bodyPr>
+          <a:lstStyle>
+            <a:lvl1pPr algn="l">
+              <a:defRPr b="0" sz="7000">
+                <a:latin typeface="Avenir Next"/>
+                <a:ea typeface="Avenir Next"/>
+                <a:cs typeface="Avenir Next"/>
+                <a:sym typeface="Avenir Next"/>
+              </a:defRPr>
+            </a:lvl1pPr>
+          </a:lstStyle>
+          <a:p>
+            <a:pPr/>
+            <a:r>
+              <a:t>PRELIMINARY MODELING</a:t>
+            </a:r>
+          </a:p>
+        </p:txBody>
+      </p:sp>
+      <p:sp>
+        <p:nvSpPr>
+          <p:cNvPr id="184" name="Proportional Odds Logistic Regression (Overall Satisfaction ~ Effectiveness + Side Effects)"/>
+          <p:cNvSpPr txBox="1"/>
+          <p:nvPr/>
+        </p:nvSpPr>
+        <p:spPr>
+          <a:xfrm>
+            <a:off x="2285270" y="2703512"/>
+            <a:ext cx="17963338" cy="673101"/>
+          </a:xfrm>
+          <a:prstGeom prst="rect">
+            <a:avLst/>
+          </a:prstGeom>
+          <a:ln w="12700">
+            <a:miter lim="400000"/>
+          </a:ln>
+          <a:extLst>
+            <a:ext uri="{C572A759-6A51-4108-AA02-DFA0A04FC94B}">
+              <ma14:wrappingTextBoxFlag xmlns:ma14="http://schemas.microsoft.com/office/mac/drawingml/2011/main" val="1"/>
+            </a:ext>
+          </a:extLst>
+        </p:spPr>
+        <p:txBody>
+          <a:bodyPr wrap="none" lIns="50800" tIns="50800" rIns="50800" bIns="50800" anchor="ctr">
+            <a:spAutoFit/>
+          </a:bodyPr>
           <a:lstStyle/>
           <a:p>
+            <a:pPr marL="396875" indent="-396875" algn="l">
+              <a:buSzPct val="125000"/>
+              <a:buChar char="•"/>
+              <a:defRPr sz="3300">
+                <a:latin typeface="Avenir Next"/>
+                <a:ea typeface="Avenir Next"/>
+                <a:cs typeface="Avenir Next"/>
+                <a:sym typeface="Avenir Next"/>
+              </a:defRPr>
+            </a:pPr>
+            <a:r>
+              <a:t>Proportional Odds Logistic Regression</a:t>
+            </a:r>
+            <a:r>
+              <a:rPr b="0"/>
+              <a:t> (Overall Satisfaction</a:t>
+            </a:r>
+            <a:r>
+              <a:t> </a:t>
+            </a:r>
+            <a:r>
+              <a:rPr b="0"/>
+              <a:t>~ Effectiveness + Side Effects)</a:t>
+            </a:r>
+          </a:p>
+        </p:txBody>
+      </p:sp>
+      <p:pic>
+        <p:nvPicPr>
+          <p:cNvPr id="185" name="PolrModelFit.png" descr="PolrModelFit.png"/>
+          <p:cNvPicPr>
+            <a:picLocks noChangeAspect="0"/>
+          </p:cNvPicPr>
+          <p:nvPr/>
+        </p:nvPicPr>
+        <p:blipFill>
+          <a:blip r:embed="rId2">
+            <a:extLst/>
+          </a:blip>
+          <a:stretch>
+            <a:fillRect/>
+          </a:stretch>
+        </p:blipFill>
+        <p:spPr>
+          <a:xfrm>
+            <a:off x="2319821" y="3744912"/>
+            <a:ext cx="14112825" cy="8793786"/>
+          </a:xfrm>
+          <a:prstGeom prst="rect">
+            <a:avLst/>
+          </a:prstGeom>
+          <a:ln w="12700">
+            <a:miter lim="400000"/>
+          </a:ln>
+        </p:spPr>
+      </p:pic>
+      <p:sp>
+        <p:nvSpPr>
+          <p:cNvPr id="186" name="Residual Deviance: 1331.743"/>
+          <p:cNvSpPr txBox="1"/>
+          <p:nvPr/>
+        </p:nvSpPr>
+        <p:spPr>
+          <a:xfrm>
+            <a:off x="16675957" y="6046787"/>
+            <a:ext cx="5155312" cy="622301"/>
+          </a:xfrm>
+          <a:prstGeom prst="rect">
+            <a:avLst/>
+          </a:prstGeom>
+          <a:ln w="12700">
+            <a:miter lim="400000"/>
+          </a:ln>
+          <a:extLst>
+            <a:ext uri="{C572A759-6A51-4108-AA02-DFA0A04FC94B}">
+              <ma14:wrappingTextBoxFlag xmlns:ma14="http://schemas.microsoft.com/office/mac/drawingml/2011/main" val="1"/>
+            </a:ext>
+          </a:extLst>
+        </p:spPr>
+        <p:txBody>
+          <a:bodyPr wrap="none" lIns="50800" tIns="50800" rIns="50800" bIns="50800" anchor="ctr">
+            <a:spAutoFit/>
+          </a:bodyPr>
+          <a:lstStyle>
+            <a:lvl1pPr algn="l">
+              <a:defRPr b="0">
+                <a:latin typeface="Avenir Next"/>
+                <a:ea typeface="Avenir Next"/>
+                <a:cs typeface="Avenir Next"/>
+                <a:sym typeface="Avenir Next"/>
+              </a:defRPr>
+            </a:lvl1pPr>
+          </a:lstStyle>
+          <a:p>
             <a:pPr/>
             <a:r>
-              <a:t>MODELING STUFF GOES HERE.</a:t>
+              <a:t>Residual Deviance: 1331.743</a:t>
+            </a:r>
+          </a:p>
+        </p:txBody>
+      </p:sp>
+      <p:sp>
+        <p:nvSpPr>
+          <p:cNvPr id="187" name="AIC: 1365.743"/>
+          <p:cNvSpPr txBox="1"/>
+          <p:nvPr/>
+        </p:nvSpPr>
+        <p:spPr>
+          <a:xfrm>
+            <a:off x="19223894" y="6745287"/>
+            <a:ext cx="2609851" cy="622301"/>
+          </a:xfrm>
+          <a:prstGeom prst="rect">
+            <a:avLst/>
+          </a:prstGeom>
+          <a:ln w="12700">
+            <a:miter lim="400000"/>
+          </a:ln>
+          <a:extLst>
+            <a:ext uri="{C572A759-6A51-4108-AA02-DFA0A04FC94B}">
+              <ma14:wrappingTextBoxFlag xmlns:ma14="http://schemas.microsoft.com/office/mac/drawingml/2011/main" val="1"/>
+            </a:ext>
+          </a:extLst>
+        </p:spPr>
+        <p:txBody>
+          <a:bodyPr wrap="none" lIns="50800" tIns="50800" rIns="50800" bIns="50800" anchor="ctr">
+            <a:spAutoFit/>
+          </a:bodyPr>
+          <a:lstStyle>
+            <a:lvl1pPr algn="l">
+              <a:defRPr b="0">
+                <a:latin typeface="Avenir Next"/>
+                <a:ea typeface="Avenir Next"/>
+                <a:cs typeface="Avenir Next"/>
+                <a:sym typeface="Avenir Next"/>
+              </a:defRPr>
+            </a:lvl1pPr>
+          </a:lstStyle>
+          <a:p>
+            <a:pPr/>
+            <a:r>
+              <a:t>AIC: 1365.743</a:t>
             </a:r>
           </a:p>
         </p:txBody>
@@ -5962,7 +6140,7 @@
       </p:grpSpPr>
       <p:sp>
         <p:nvSpPr>
-          <p:cNvPr id="190" name="Line"/>
+          <p:cNvPr id="189" name="Line"/>
           <p:cNvSpPr/>
           <p:nvPr/>
         </p:nvSpPr>
@@ -6003,14 +6181,14 @@
       </p:sp>
       <p:sp>
         <p:nvSpPr>
-          <p:cNvPr id="191" name="MORE MODELING STUFF IF WE HAVE IT"/>
+          <p:cNvPr id="190" name="PRELIMINARY MODELING"/>
           <p:cNvSpPr txBox="1"/>
           <p:nvPr/>
         </p:nvSpPr>
         <p:spPr>
           <a:xfrm>
-            <a:off x="4998148" y="5315713"/>
-            <a:ext cx="13054762" cy="560449"/>
+            <a:off x="2274087" y="1014412"/>
+            <a:ext cx="21026451" cy="1320801"/>
           </a:xfrm>
           <a:prstGeom prst="rect">
             <a:avLst/>
@@ -6028,11 +6206,195 @@
           <a:bodyPr lIns="50800" tIns="50800" rIns="50800" bIns="50800" anchor="ctr">
             <a:spAutoFit/>
           </a:bodyPr>
+          <a:lstStyle>
+            <a:lvl1pPr algn="l">
+              <a:defRPr b="0" sz="7000">
+                <a:latin typeface="Avenir Next"/>
+                <a:ea typeface="Avenir Next"/>
+                <a:cs typeface="Avenir Next"/>
+                <a:sym typeface="Avenir Next"/>
+              </a:defRPr>
+            </a:lvl1pPr>
+          </a:lstStyle>
+          <a:p>
+            <a:pPr/>
+            <a:r>
+              <a:t>PRELIMINARY MODELING</a:t>
+            </a:r>
+          </a:p>
+        </p:txBody>
+      </p:sp>
+      <p:pic>
+        <p:nvPicPr>
+          <p:cNvPr id="191" name="MultiModelFits.png" descr="MultiModelFits.png"/>
+          <p:cNvPicPr>
+            <a:picLocks noChangeAspect="0"/>
+          </p:cNvPicPr>
+          <p:nvPr/>
+        </p:nvPicPr>
+        <p:blipFill>
+          <a:blip r:embed="rId2">
+            <a:extLst/>
+          </a:blip>
+          <a:stretch>
+            <a:fillRect/>
+          </a:stretch>
+        </p:blipFill>
+        <p:spPr>
+          <a:xfrm>
+            <a:off x="2296578" y="3735387"/>
+            <a:ext cx="14076475" cy="8867140"/>
+          </a:xfrm>
+          <a:prstGeom prst="rect">
+            <a:avLst/>
+          </a:prstGeom>
+          <a:ln w="12700">
+            <a:miter lim="400000"/>
+          </a:ln>
+        </p:spPr>
+      </p:pic>
+      <p:sp>
+        <p:nvSpPr>
+          <p:cNvPr id="192" name="Multinomial Logistic Regression (Overall Satisfaction ~ Effectiveness + Side Effects)"/>
+          <p:cNvSpPr txBox="1"/>
+          <p:nvPr/>
+        </p:nvSpPr>
+        <p:spPr>
+          <a:xfrm>
+            <a:off x="2285270" y="2703512"/>
+            <a:ext cx="16671672" cy="673101"/>
+          </a:xfrm>
+          <a:prstGeom prst="rect">
+            <a:avLst/>
+          </a:prstGeom>
+          <a:ln w="12700">
+            <a:miter lim="400000"/>
+          </a:ln>
+          <a:extLst>
+            <a:ext uri="{C572A759-6A51-4108-AA02-DFA0A04FC94B}">
+              <ma14:wrappingTextBoxFlag xmlns:ma14="http://schemas.microsoft.com/office/mac/drawingml/2011/main" val="1"/>
+            </a:ext>
+          </a:extLst>
+        </p:spPr>
+        <p:txBody>
+          <a:bodyPr wrap="none" lIns="50800" tIns="50800" rIns="50800" bIns="50800" anchor="ctr">
+            <a:spAutoFit/>
+          </a:bodyPr>
           <a:lstStyle/>
           <a:p>
+            <a:pPr marL="396875" indent="-396875" algn="l">
+              <a:buSzPct val="125000"/>
+              <a:buChar char="•"/>
+              <a:defRPr sz="3300">
+                <a:latin typeface="Avenir Next"/>
+                <a:ea typeface="Avenir Next"/>
+                <a:cs typeface="Avenir Next"/>
+                <a:sym typeface="Avenir Next"/>
+              </a:defRPr>
+            </a:pPr>
+            <a:r>
+              <a:t>Multinomial Logistic Regression</a:t>
+            </a:r>
+            <a:r>
+              <a:rPr b="0"/>
+              <a:t> (Overall Satisfaction</a:t>
+            </a:r>
+            <a:r>
+              <a:t> </a:t>
+            </a:r>
+            <a:r>
+              <a:rPr b="0"/>
+              <a:t>~ Effectiveness + Side Effects)</a:t>
+            </a:r>
+          </a:p>
+        </p:txBody>
+      </p:sp>
+      <p:sp>
+        <p:nvSpPr>
+          <p:cNvPr id="193" name="Residual Deviance: 1218.239"/>
+          <p:cNvSpPr txBox="1"/>
+          <p:nvPr/>
+        </p:nvSpPr>
+        <p:spPr>
+          <a:xfrm>
+            <a:off x="16675957" y="6046787"/>
+            <a:ext cx="5155312" cy="622301"/>
+          </a:xfrm>
+          <a:prstGeom prst="rect">
+            <a:avLst/>
+          </a:prstGeom>
+          <a:ln w="12700">
+            <a:miter lim="400000"/>
+          </a:ln>
+          <a:extLst>
+            <a:ext uri="{C572A759-6A51-4108-AA02-DFA0A04FC94B}">
+              <ma14:wrappingTextBoxFlag xmlns:ma14="http://schemas.microsoft.com/office/mac/drawingml/2011/main" val="1"/>
+            </a:ext>
+          </a:extLst>
+        </p:spPr>
+        <p:txBody>
+          <a:bodyPr wrap="none" lIns="50800" tIns="50800" rIns="50800" bIns="50800" anchor="ctr">
+            <a:spAutoFit/>
+          </a:bodyPr>
+          <a:lstStyle>
+            <a:lvl1pPr algn="l">
+              <a:defRPr b="0">
+                <a:latin typeface="Avenir Next"/>
+                <a:ea typeface="Avenir Next"/>
+                <a:cs typeface="Avenir Next"/>
+                <a:sym typeface="Avenir Next"/>
+              </a:defRPr>
+            </a:lvl1pPr>
+          </a:lstStyle>
+          <a:p>
             <a:pPr/>
             <a:r>
-              <a:t>MORE MODELING STUFF IF WE HAVE IT</a:t>
+              <a:t>Residual Deviance: 1218.239</a:t>
+            </a:r>
+          </a:p>
+        </p:txBody>
+      </p:sp>
+      <p:sp>
+        <p:nvSpPr>
+          <p:cNvPr id="194" name="AIC: 1380.239"/>
+          <p:cNvSpPr txBox="1"/>
+          <p:nvPr/>
+        </p:nvSpPr>
+        <p:spPr>
+          <a:xfrm>
+            <a:off x="19223895" y="6745287"/>
+            <a:ext cx="2609851" cy="622301"/>
+          </a:xfrm>
+          <a:prstGeom prst="rect">
+            <a:avLst/>
+          </a:prstGeom>
+          <a:ln w="12700">
+            <a:miter lim="400000"/>
+          </a:ln>
+          <a:extLst>
+            <a:ext uri="{C572A759-6A51-4108-AA02-DFA0A04FC94B}">
+              <ma14:wrappingTextBoxFlag xmlns:ma14="http://schemas.microsoft.com/office/mac/drawingml/2011/main" val="1"/>
+            </a:ext>
+          </a:extLst>
+        </p:spPr>
+        <p:txBody>
+          <a:bodyPr wrap="none" lIns="50800" tIns="50800" rIns="50800" bIns="50800" anchor="ctr">
+            <a:spAutoFit/>
+          </a:bodyPr>
+          <a:lstStyle>
+            <a:lvl1pPr algn="l">
+              <a:defRPr b="0">
+                <a:latin typeface="Avenir Next"/>
+                <a:ea typeface="Avenir Next"/>
+                <a:cs typeface="Avenir Next"/>
+                <a:sym typeface="Avenir Next"/>
+              </a:defRPr>
+            </a:lvl1pPr>
+          </a:lstStyle>
+          <a:p>
+            <a:pPr/>
+            <a:r>
+              <a:t>AIC: 1380.239</a:t>
             </a:r>
           </a:p>
         </p:txBody>
@@ -6065,7 +6427,7 @@
       </p:grpSpPr>
       <p:sp>
         <p:nvSpPr>
-          <p:cNvPr id="193" name="Line"/>
+          <p:cNvPr id="196" name="Line"/>
           <p:cNvSpPr/>
           <p:nvPr/>
         </p:nvSpPr>
@@ -6106,7 +6468,7 @@
       </p:sp>
       <p:sp>
         <p:nvSpPr>
-          <p:cNvPr id="194" name="CONCLUSIONS"/>
+          <p:cNvPr id="197" name="CONCLUSIONS"/>
           <p:cNvSpPr txBox="1"/>
           <p:nvPr/>
         </p:nvSpPr>
@@ -6145,6 +6507,186 @@
             <a:pPr/>
             <a:r>
               <a:t>CONCLUSIONS</a:t>
+            </a:r>
+          </a:p>
+        </p:txBody>
+      </p:sp>
+      <p:sp>
+        <p:nvSpPr>
+          <p:cNvPr id="198" name="SSRIs and SNRIs accounted for the overwhelming majority (86%) of all cases."/>
+          <p:cNvSpPr txBox="1"/>
+          <p:nvPr/>
+        </p:nvSpPr>
+        <p:spPr>
+          <a:xfrm>
+            <a:off x="408235" y="2955925"/>
+            <a:ext cx="21662597" cy="800101"/>
+          </a:xfrm>
+          <a:prstGeom prst="rect">
+            <a:avLst/>
+          </a:prstGeom>
+          <a:ln w="12700">
+            <a:miter lim="400000"/>
+          </a:ln>
+          <a:extLst>
+            <a:ext uri="{C572A759-6A51-4108-AA02-DFA0A04FC94B}">
+              <ma14:wrappingTextBoxFlag xmlns:ma14="http://schemas.microsoft.com/office/mac/drawingml/2011/main" val="1"/>
+            </a:ext>
+          </a:extLst>
+        </p:spPr>
+        <p:txBody>
+          <a:bodyPr lIns="50800" tIns="50800" rIns="50800" bIns="50800" anchor="ctr">
+            <a:spAutoFit/>
+          </a:bodyPr>
+          <a:lstStyle/>
+          <a:p>
+            <a:pPr lvl="3" marL="2434166" indent="-529166" algn="l">
+              <a:buSzPct val="125000"/>
+              <a:buChar char="•"/>
+              <a:defRPr b="0" sz="4000">
+                <a:latin typeface="Avenir Next"/>
+                <a:ea typeface="Avenir Next"/>
+                <a:cs typeface="Avenir Next"/>
+                <a:sym typeface="Avenir Next"/>
+              </a:defRPr>
+            </a:pPr>
+            <a:r>
+              <a:t>SSRIs and SNRIs accounted for the overwhelming majority (86%) of all cases.</a:t>
+            </a:r>
+          </a:p>
+        </p:txBody>
+      </p:sp>
+      <p:sp>
+        <p:nvSpPr>
+          <p:cNvPr id="199" name="Different classes of drugs are remarkably similar in their evaluation profiles."/>
+          <p:cNvSpPr txBox="1"/>
+          <p:nvPr/>
+        </p:nvSpPr>
+        <p:spPr>
+          <a:xfrm>
+            <a:off x="408235" y="4190206"/>
+            <a:ext cx="21662597" cy="800101"/>
+          </a:xfrm>
+          <a:prstGeom prst="rect">
+            <a:avLst/>
+          </a:prstGeom>
+          <a:ln w="12700">
+            <a:miter lim="400000"/>
+          </a:ln>
+          <a:extLst>
+            <a:ext uri="{C572A759-6A51-4108-AA02-DFA0A04FC94B}">
+              <ma14:wrappingTextBoxFlag xmlns:ma14="http://schemas.microsoft.com/office/mac/drawingml/2011/main" val="1"/>
+            </a:ext>
+          </a:extLst>
+        </p:spPr>
+        <p:txBody>
+          <a:bodyPr lIns="50800" tIns="50800" rIns="50800" bIns="50800" anchor="ctr">
+            <a:spAutoFit/>
+          </a:bodyPr>
+          <a:lstStyle/>
+          <a:p>
+            <a:pPr lvl="3" marL="2434166" indent="-529166" algn="l">
+              <a:buSzPct val="125000"/>
+              <a:buChar char="•"/>
+              <a:defRPr b="0" sz="4000">
+                <a:latin typeface="Avenir Next"/>
+                <a:ea typeface="Avenir Next"/>
+                <a:cs typeface="Avenir Next"/>
+                <a:sym typeface="Avenir Next"/>
+              </a:defRPr>
+            </a:pPr>
+            <a:r>
+              <a:t>Different classes of drugs are remarkably similar in their evaluation profiles.</a:t>
+            </a:r>
+          </a:p>
+        </p:txBody>
+      </p:sp>
+      <p:sp>
+        <p:nvSpPr>
+          <p:cNvPr id="200" name="Patient perceptions of drug effectiveness appear to be related to experienced severity of side effects."/>
+          <p:cNvSpPr txBox="1"/>
+          <p:nvPr/>
+        </p:nvSpPr>
+        <p:spPr>
+          <a:xfrm>
+            <a:off x="408235" y="5424487"/>
+            <a:ext cx="21662597" cy="1498601"/>
+          </a:xfrm>
+          <a:prstGeom prst="rect">
+            <a:avLst/>
+          </a:prstGeom>
+          <a:ln w="12700">
+            <a:miter lim="400000"/>
+          </a:ln>
+          <a:extLst>
+            <a:ext uri="{C572A759-6A51-4108-AA02-DFA0A04FC94B}">
+              <ma14:wrappingTextBoxFlag xmlns:ma14="http://schemas.microsoft.com/office/mac/drawingml/2011/main" val="1"/>
+            </a:ext>
+          </a:extLst>
+        </p:spPr>
+        <p:txBody>
+          <a:bodyPr lIns="50800" tIns="50800" rIns="50800" bIns="50800" anchor="ctr">
+            <a:spAutoFit/>
+          </a:bodyPr>
+          <a:lstStyle/>
+          <a:p>
+            <a:pPr lvl="3" marL="2434166" indent="-529166" algn="l">
+              <a:buSzPct val="125000"/>
+              <a:buChar char="•"/>
+              <a:defRPr b="0" sz="4000">
+                <a:latin typeface="Avenir Next"/>
+                <a:ea typeface="Avenir Next"/>
+                <a:cs typeface="Avenir Next"/>
+                <a:sym typeface="Avenir Next"/>
+              </a:defRPr>
+            </a:pPr>
+            <a:r>
+              <a:t>Patient perceptions of drug effectiveness appear to be related to experienced severity of side effects.</a:t>
+            </a:r>
+          </a:p>
+        </p:txBody>
+      </p:sp>
+      <p:sp>
+        <p:nvSpPr>
+          <p:cNvPr id="201" name="Perceived effectiveness and side effects severity are jointly predictive of patients’ overall satisfaction with drug treatments."/>
+          <p:cNvSpPr txBox="1"/>
+          <p:nvPr/>
+        </p:nvSpPr>
+        <p:spPr>
+          <a:xfrm>
+            <a:off x="408235" y="7357268"/>
+            <a:ext cx="21662597" cy="1498601"/>
+          </a:xfrm>
+          <a:prstGeom prst="rect">
+            <a:avLst/>
+          </a:prstGeom>
+          <a:ln w="12700">
+            <a:miter lim="400000"/>
+          </a:ln>
+          <a:extLst>
+            <a:ext uri="{C572A759-6A51-4108-AA02-DFA0A04FC94B}">
+              <ma14:wrappingTextBoxFlag xmlns:ma14="http://schemas.microsoft.com/office/mac/drawingml/2011/main" val="1"/>
+            </a:ext>
+          </a:extLst>
+        </p:spPr>
+        <p:txBody>
+          <a:bodyPr lIns="50800" tIns="50800" rIns="50800" bIns="50800" anchor="ctr">
+            <a:spAutoFit/>
+          </a:bodyPr>
+          <a:lstStyle/>
+          <a:p>
+            <a:pPr lvl="3" marL="2434166" indent="-529166" algn="l">
+              <a:buSzPct val="125000"/>
+              <a:buChar char="•"/>
+              <a:defRPr b="0" sz="4000">
+                <a:latin typeface="Avenir Next"/>
+                <a:ea typeface="Avenir Next"/>
+                <a:cs typeface="Avenir Next"/>
+                <a:sym typeface="Avenir Next"/>
+              </a:defRPr>
+            </a:pPr>
+            <a:r>
+              <a:t>Perceived effectiveness and side effects severity are jointly predictive of patients’ overall satisfaction with drug treatments.</a:t>
             </a:r>
           </a:p>
         </p:txBody>
